--- a/raw/figures/summary/flow-chart.pptx
+++ b/raw/figures/summary/flow-chart.pptx
@@ -3394,7 +3394,7 @@
                   <a:ea typeface="Roboto" panose="02000000000000000000" pitchFamily="2" charset="0"/>
                   <a:cs typeface="Roboto" panose="02000000000000000000" pitchFamily="2" charset="0"/>
                 </a:rPr>
-                <a:t>Reuse ML Model</a:t>
+                <a:t>ML Model: Reuse</a:t>
               </a:r>
             </a:p>
           </p:txBody>
